--- a/Presentation.pptx
+++ b/Presentation.pptx
@@ -9442,10 +9442,10 @@
       </p:sp>
       <p:pic>
         <p:nvPicPr>
-          <p:cNvPr id="5" name="Picture 4">
+          <p:cNvPr id="7" name="Picture 6">
             <a:extLst>
               <a:ext uri="{FF2B5EF4-FFF2-40B4-BE49-F238E27FC236}">
-                <a16:creationId xmlns:a16="http://schemas.microsoft.com/office/drawing/2014/main" id="{42443FAE-46EF-6843-9E11-B2604420061C}"/>
+                <a16:creationId xmlns:a16="http://schemas.microsoft.com/office/drawing/2014/main" id="{3B57C5B9-502E-BC44-8FCC-892F35A5E374}"/>
               </a:ext>
             </a:extLst>
           </p:cNvPr>
@@ -9456,42 +9456,6 @@
         </p:nvPicPr>
         <p:blipFill>
           <a:blip r:embed="rId2">
-            <a:extLst>
-              <a:ext uri="{28A0092B-C50C-407E-A947-70E740481C1C}">
-                <a14:useLocalDpi xmlns:a14="http://schemas.microsoft.com/office/drawing/2010/main" val="0"/>
-              </a:ext>
-            </a:extLst>
-          </a:blip>
-          <a:stretch>
-            <a:fillRect/>
-          </a:stretch>
-        </p:blipFill>
-        <p:spPr>
-          <a:xfrm>
-            <a:off x="3574926" y="3488432"/>
-            <a:ext cx="5395292" cy="660648"/>
-          </a:xfrm>
-          <a:prstGeom prst="rect">
-            <a:avLst/>
-          </a:prstGeom>
-        </p:spPr>
-      </p:pic>
-      <p:pic>
-        <p:nvPicPr>
-          <p:cNvPr id="7" name="Picture 6">
-            <a:extLst>
-              <a:ext uri="{FF2B5EF4-FFF2-40B4-BE49-F238E27FC236}">
-                <a16:creationId xmlns:a16="http://schemas.microsoft.com/office/drawing/2014/main" id="{3B57C5B9-502E-BC44-8FCC-892F35A5E374}"/>
-              </a:ext>
-            </a:extLst>
-          </p:cNvPr>
-          <p:cNvPicPr>
-            <a:picLocks noChangeAspect="1"/>
-          </p:cNvPicPr>
-          <p:nvPr/>
-        </p:nvPicPr>
-        <p:blipFill>
-          <a:blip r:embed="rId3">
             <a:extLst>
               <a:ext uri="{28A0092B-C50C-407E-A947-70E740481C1C}">
                 <a14:useLocalDpi xmlns:a14="http://schemas.microsoft.com/office/drawing/2010/main" val="0"/>
@@ -9527,7 +9491,7 @@
           <p:nvPr/>
         </p:nvPicPr>
         <p:blipFill>
-          <a:blip r:embed="rId4">
+          <a:blip r:embed="rId3">
             <a:extLst>
               <a:ext uri="{28A0092B-C50C-407E-A947-70E740481C1C}">
                 <a14:useLocalDpi xmlns:a14="http://schemas.microsoft.com/office/drawing/2010/main" val="0"/>
@@ -9798,6 +9762,45 @@
           </a:p>
         </p:txBody>
       </p:sp>
+      <p:pic>
+        <p:nvPicPr>
+          <p:cNvPr id="14" name="Graphic 13">
+            <a:extLst>
+              <a:ext uri="{FF2B5EF4-FFF2-40B4-BE49-F238E27FC236}">
+                <a16:creationId xmlns:a16="http://schemas.microsoft.com/office/drawing/2014/main" id="{8510CF6B-5DAD-024A-BA5E-EE8F237DCC91}"/>
+              </a:ext>
+            </a:extLst>
+          </p:cNvPr>
+          <p:cNvPicPr>
+            <a:picLocks noChangeAspect="1"/>
+          </p:cNvPicPr>
+          <p:nvPr/>
+        </p:nvPicPr>
+        <p:blipFill>
+          <a:blip r:embed="rId4">
+            <a:extLst>
+              <a:ext uri="{28A0092B-C50C-407E-A947-70E740481C1C}">
+                <a14:useLocalDpi xmlns:a14="http://schemas.microsoft.com/office/drawing/2010/main" val="0"/>
+              </a:ext>
+              <a:ext uri="{96DAC541-7B7A-43D3-8B79-37D633B846F1}">
+                <asvg:svgBlip xmlns:asvg="http://schemas.microsoft.com/office/drawing/2016/SVG/main" r:embed="rId5"/>
+              </a:ext>
+            </a:extLst>
+          </a:blip>
+          <a:stretch>
+            <a:fillRect/>
+          </a:stretch>
+        </p:blipFill>
+        <p:spPr>
+          <a:xfrm>
+            <a:off x="3142878" y="3429000"/>
+            <a:ext cx="6184410" cy="550541"/>
+          </a:xfrm>
+          <a:prstGeom prst="rect">
+            <a:avLst/>
+          </a:prstGeom>
+        </p:spPr>
+      </p:pic>
     </p:spTree>
     <p:extLst>
       <p:ext uri="{BB962C8B-B14F-4D97-AF65-F5344CB8AC3E}">
@@ -27123,7 +27126,7 @@
 </file>
 
 <file path=customXml/item1.xml><?xml version="1.0" encoding="utf-8"?>
-<TemplafySlideTemplateConfiguration><![CDATA[{"documentContentValidatorConfiguration":{"enableDocumentContentValidator":false,"documentContentValidatorVersion":0},"elementsMetadata":[],"slideId":"636957680393408391","enableDocumentContentUpdater":true,"version":"1.2"}]]></TemplafySlideTemplateConfiguration>
+<TemplafySlideFormConfiguration><![CDATA[{"formFields":[],"formDataEntries":[]}]]></TemplafySlideFormConfiguration>
 </file>
 
 <file path=customXml/item2.xml><?xml version="1.0" encoding="utf-8"?>
@@ -27131,11 +27134,11 @@
 </file>
 
 <file path=customXml/item3.xml><?xml version="1.0" encoding="utf-8"?>
-<TemplafyFormConfiguration><![CDATA[{"formFields":[{"required":false,"type":"datePicker","name":"Date","label":"Date","helpTexts":{"prefix":"","postfix":""},"spacing":{},"fullyQualifiedName":"Date"},{"required":false,"placeholder":"","lines":0,"type":"textBox","name":"PresentationTitle","label":"Presentation title","helpTexts":{"prefix":"","postfix":""},"spacing":{},"fullyQualifiedName":"PresentationTitle"}],"formDataEntries":[{"name":"Date","value":"XfRY/7tQO/2t2jg5J7VpbQ=="},{"name":"PresentationTitle","value":"o0eTc7F4KLQajKQLGuaQkfWWqXEUM6dO7vt18vYg3aEDWCt2V4AyUznX8xwMqnvbfmGRAgITV5hHsKj1bWWXZWo1qhgyxWFC2nLBrmpS4zdEp61Q/UkfniDHAuCQdCTG"}]}]]></TemplafyFormConfiguration>
+<TemplafySlideTemplateConfiguration><![CDATA[{"documentContentValidatorConfiguration":{"enableDocumentContentValidator":false,"documentContentValidatorVersion":0},"elementsMetadata":[],"slideId":"636957680393408391","enableDocumentContentUpdater":true,"version":"1.2"}]]></TemplafySlideTemplateConfiguration>
 </file>
 
 <file path=customXml/item4.xml><?xml version="1.0" encoding="utf-8"?>
-<TemplafySlideFormConfiguration><![CDATA[{"formFields":[],"formDataEntries":[]}]]></TemplafySlideFormConfiguration>
+<TemplafySlideTemplateConfiguration><![CDATA[{"documentContentValidatorConfiguration":{"enableDocumentContentValidator":false,"documentContentValidatorVersion":0},"elementsMetadata":[],"slideId":"636957680393408390","enableDocumentContentUpdater":true,"version":"1.2"}]]></TemplafySlideTemplateConfiguration>
 </file>
 
 <file path=customXml/item5.xml><?xml version="1.0" encoding="utf-8"?>
@@ -27143,19 +27146,19 @@
 </file>
 
 <file path=customXml/item6.xml><?xml version="1.0" encoding="utf-8"?>
-<TemplafySlideTemplateConfiguration><![CDATA[{"documentContentValidatorConfiguration":{"enableDocumentContentValidator":false,"documentContentValidatorVersion":0},"elementsMetadata":[],"slideId":"636957680393408390","enableDocumentContentUpdater":true,"version":"1.2"}]]></TemplafySlideTemplateConfiguration>
+<TemplafySlideFormConfiguration><![CDATA[{"formFields":[],"formDataEntries":[]}]]></TemplafySlideFormConfiguration>
 </file>
 
 <file path=customXml/item7.xml><?xml version="1.0" encoding="utf-8"?>
-<TemplafySlideFormConfiguration><![CDATA[{"formFields":[],"formDataEntries":[]}]]></TemplafySlideFormConfiguration>
+<TemplafySlideTemplateConfiguration><![CDATA[{"documentContentValidatorConfiguration":{"enableDocumentContentValidator":false,"documentContentValidatorVersion":0},"elementsMetadata":[],"slideId":"636957680393236694","enableDocumentContentUpdater":true,"version":"1.2"}]]></TemplafySlideTemplateConfiguration>
 </file>
 
 <file path=customXml/item8.xml><?xml version="1.0" encoding="utf-8"?>
-<TemplafySlideTemplateConfiguration><![CDATA[{"documentContentValidatorConfiguration":{"enableDocumentContentValidator":false,"documentContentValidatorVersion":0},"elementsMetadata":[],"slideId":"636957680393236694","enableDocumentContentUpdater":true,"version":"1.2"}]]></TemplafySlideTemplateConfiguration>
+<TemplafyFormConfiguration><![CDATA[{"formFields":[{"required":false,"type":"datePicker","name":"Date","label":"Date","helpTexts":{"prefix":"","postfix":""},"spacing":{},"fullyQualifiedName":"Date"},{"required":false,"placeholder":"","lines":0,"type":"textBox","name":"PresentationTitle","label":"Presentation title","helpTexts":{"prefix":"","postfix":""},"spacing":{},"fullyQualifiedName":"PresentationTitle"}],"formDataEntries":[{"name":"Date","value":"XfRY/7tQO/2t2jg5J7VpbQ=="},{"name":"PresentationTitle","value":"o0eTc7F4KLQajKQLGuaQkfWWqXEUM6dO7vt18vYg3aEDWCt2V4AyUznX8xwMqnvbfmGRAgITV5hHsKj1bWWXZWo1qhgyxWFC2nLBrmpS4zdEp61Q/UkfniDHAuCQdCTG"}]}]]></TemplafyFormConfiguration>
 </file>
 
 <file path=customXml/itemProps1.xml><?xml version="1.0" encoding="utf-8"?>
-<ds:datastoreItem xmlns:ds="http://schemas.openxmlformats.org/officeDocument/2006/customXml" ds:itemID="{CA9FC985-930B-40D4-827F-9FAC5D35EA8C}">
+<ds:datastoreItem xmlns:ds="http://schemas.openxmlformats.org/officeDocument/2006/customXml" ds:itemID="{5DEE4BEE-00BA-4E32-BD26-AF535B50AC95}">
   <ds:schemaRefs/>
 </ds:datastoreItem>
 </file>
@@ -27167,13 +27170,13 @@
 </file>
 
 <file path=customXml/itemProps3.xml><?xml version="1.0" encoding="utf-8"?>
-<ds:datastoreItem xmlns:ds="http://schemas.openxmlformats.org/officeDocument/2006/customXml" ds:itemID="{43763224-B85A-4B53-A86A-261D26A71C30}">
+<ds:datastoreItem xmlns:ds="http://schemas.openxmlformats.org/officeDocument/2006/customXml" ds:itemID="{CA9FC985-930B-40D4-827F-9FAC5D35EA8C}">
   <ds:schemaRefs/>
 </ds:datastoreItem>
 </file>
 
 <file path=customXml/itemProps4.xml><?xml version="1.0" encoding="utf-8"?>
-<ds:datastoreItem xmlns:ds="http://schemas.openxmlformats.org/officeDocument/2006/customXml" ds:itemID="{9587AFF5-BFB0-40A3-85CA-ADEED7540807}">
+<ds:datastoreItem xmlns:ds="http://schemas.openxmlformats.org/officeDocument/2006/customXml" ds:itemID="{6B8AD017-B053-4E30-93B9-B28A44CEC3A4}">
   <ds:schemaRefs/>
 </ds:datastoreItem>
 </file>
@@ -27185,19 +27188,19 @@
 </file>
 
 <file path=customXml/itemProps6.xml><?xml version="1.0" encoding="utf-8"?>
-<ds:datastoreItem xmlns:ds="http://schemas.openxmlformats.org/officeDocument/2006/customXml" ds:itemID="{6B8AD017-B053-4E30-93B9-B28A44CEC3A4}">
+<ds:datastoreItem xmlns:ds="http://schemas.openxmlformats.org/officeDocument/2006/customXml" ds:itemID="{9587AFF5-BFB0-40A3-85CA-ADEED7540807}">
   <ds:schemaRefs/>
 </ds:datastoreItem>
 </file>
 
 <file path=customXml/itemProps7.xml><?xml version="1.0" encoding="utf-8"?>
-<ds:datastoreItem xmlns:ds="http://schemas.openxmlformats.org/officeDocument/2006/customXml" ds:itemID="{5DEE4BEE-00BA-4E32-BD26-AF535B50AC95}">
+<ds:datastoreItem xmlns:ds="http://schemas.openxmlformats.org/officeDocument/2006/customXml" ds:itemID="{D27AE696-61B6-4B19-9CED-6F2A3F244FE3}">
   <ds:schemaRefs/>
 </ds:datastoreItem>
 </file>
 
 <file path=customXml/itemProps8.xml><?xml version="1.0" encoding="utf-8"?>
-<ds:datastoreItem xmlns:ds="http://schemas.openxmlformats.org/officeDocument/2006/customXml" ds:itemID="{D27AE696-61B6-4B19-9CED-6F2A3F244FE3}">
+<ds:datastoreItem xmlns:ds="http://schemas.openxmlformats.org/officeDocument/2006/customXml" ds:itemID="{43763224-B85A-4B53-A86A-261D26A71C30}">
   <ds:schemaRefs/>
 </ds:datastoreItem>
 </file>